--- a/Documents for Progress/topTagger_WP_mc1718.pptx
+++ b/Documents for Progress/topTagger_WP_mc1718.pptx
@@ -215,7 +215,7 @@
           <a:p>
             <a:fld id="{8F941678-A4FC-4696-8E72-01820DBEAE87}" type="datetime1">
               <a:rPr lang="en-GB" smtClean="0"/>
-              <a:t>08/07/2019</a:t>
+              <a:t>09/07/2019</a:t>
             </a:fld>
             <a:endParaRPr lang="en-GB"/>
           </a:p>
@@ -421,7 +421,7 @@
           <a:p>
             <a:fld id="{6CB5D6FB-1775-49F4-A4D2-86788D569250}" type="datetime1">
               <a:rPr lang="en-GB" smtClean="0"/>
-              <a:t>08/07/2019</a:t>
+              <a:t>09/07/2019</a:t>
             </a:fld>
             <a:endParaRPr lang="en-GB"/>
           </a:p>
@@ -755,7 +755,7 @@
           <a:p>
             <a:fld id="{E1A58B28-F197-43B1-B5DB-5AAD256D4904}" type="datetime1">
               <a:rPr lang="en-GB" smtClean="0"/>
-              <a:t>08/07/2019</a:t>
+              <a:t>09/07/2019</a:t>
             </a:fld>
             <a:endParaRPr lang="en-GB"/>
           </a:p>
@@ -1023,7 +1023,7 @@
           <a:p>
             <a:fld id="{029A98E1-EFED-4E44-90FD-C0D59F6A2825}" type="datetime1">
               <a:rPr lang="en-US" smtClean="0"/>
-              <a:t>7/8/2019</a:t>
+              <a:t>7/9/2019</a:t>
             </a:fld>
             <a:endParaRPr lang="en-US" dirty="0"/>
           </a:p>
@@ -1230,7 +1230,7 @@
           <a:p>
             <a:fld id="{26695978-B9D8-46FE-B383-5B1F82658840}" type="datetime1">
               <a:rPr lang="en-US" smtClean="0"/>
-              <a:t>7/8/2019</a:t>
+              <a:t>7/9/2019</a:t>
             </a:fld>
             <a:endParaRPr lang="en-US" dirty="0"/>
           </a:p>
@@ -1485,7 +1485,7 @@
           <a:p>
             <a:fld id="{39465463-612C-4BCE-9A53-073145B8E0BC}" type="datetime1">
               <a:rPr lang="en-US" smtClean="0"/>
-              <a:t>7/8/2019</a:t>
+              <a:t>7/9/2019</a:t>
             </a:fld>
             <a:endParaRPr lang="en-US" dirty="0"/>
           </a:p>
@@ -1676,7 +1676,7 @@
           <a:p>
             <a:fld id="{4FC0AE2B-9CD6-4672-AE83-31C80E93F0B6}" type="datetime1">
               <a:rPr lang="en-US" smtClean="0"/>
-              <a:t>7/8/2019</a:t>
+              <a:t>7/9/2019</a:t>
             </a:fld>
             <a:endParaRPr lang="en-GB"/>
           </a:p>
@@ -1850,7 +1850,7 @@
           <a:p>
             <a:fld id="{7E1005DA-D697-4414-9D8B-687F102D1A95}" type="datetime1">
               <a:rPr lang="en-US" smtClean="0"/>
-              <a:t>7/8/2019</a:t>
+              <a:t>7/9/2019</a:t>
             </a:fld>
             <a:endParaRPr lang="en-GB"/>
           </a:p>
@@ -2100,7 +2100,7 @@
           <a:p>
             <a:fld id="{C0B7493C-55D0-4E0D-8254-454B19A9D6D0}" type="datetime1">
               <a:rPr lang="en-US" smtClean="0"/>
-              <a:t>7/8/2019</a:t>
+              <a:t>7/9/2019</a:t>
             </a:fld>
             <a:endParaRPr lang="en-GB"/>
           </a:p>
@@ -2336,7 +2336,7 @@
           <a:p>
             <a:fld id="{5196CBDE-D06F-4B16-BAC0-069B01837C56}" type="datetime1">
               <a:rPr lang="en-US" smtClean="0"/>
-              <a:t>7/8/2019</a:t>
+              <a:t>7/9/2019</a:t>
             </a:fld>
             <a:endParaRPr lang="en-GB"/>
           </a:p>
@@ -2707,7 +2707,7 @@
           <a:p>
             <a:fld id="{DF8076A3-AAD6-422F-B03E-578666088091}" type="datetime1">
               <a:rPr lang="en-US" smtClean="0"/>
-              <a:t>7/8/2019</a:t>
+              <a:t>7/9/2019</a:t>
             </a:fld>
             <a:endParaRPr lang="en-GB"/>
           </a:p>
@@ -2829,7 +2829,7 @@
           <a:p>
             <a:fld id="{D0D042B3-9AB0-4263-B259-2FFA938F68A0}" type="datetime1">
               <a:rPr lang="en-US" smtClean="0"/>
-              <a:t>7/8/2019</a:t>
+              <a:t>7/9/2019</a:t>
             </a:fld>
             <a:endParaRPr lang="en-GB"/>
           </a:p>
@@ -2928,7 +2928,7 @@
           <a:p>
             <a:fld id="{7599618C-6027-4CA4-8575-DE88B7A50D24}" type="datetime1">
               <a:rPr lang="en-US" smtClean="0"/>
-              <a:t>7/8/2019</a:t>
+              <a:t>7/9/2019</a:t>
             </a:fld>
             <a:endParaRPr lang="en-GB"/>
           </a:p>
@@ -3209,7 +3209,7 @@
           <a:p>
             <a:fld id="{4D9BE98B-7E45-4511-AA55-5A1DD3E9B8A0}" type="datetime1">
               <a:rPr lang="en-US" smtClean="0"/>
-              <a:t>7/8/2019</a:t>
+              <a:t>7/9/2019</a:t>
             </a:fld>
             <a:endParaRPr lang="en-GB"/>
           </a:p>
@@ -3365,7 +3365,7 @@
           <a:p>
             <a:fld id="{989EC4AD-A703-4A73-A975-15C01778A9EF}" type="datetime1">
               <a:rPr lang="en-US" smtClean="0"/>
-              <a:t>7/8/2019</a:t>
+              <a:t>7/9/2019</a:t>
             </a:fld>
             <a:endParaRPr lang="en-US" dirty="0"/>
           </a:p>
@@ -3653,7 +3653,7 @@
           <a:p>
             <a:fld id="{5F6F055B-6561-409C-99FA-6DD35A3DD7FE}" type="datetime1">
               <a:rPr lang="en-US" smtClean="0"/>
-              <a:t>7/8/2019</a:t>
+              <a:t>7/9/2019</a:t>
             </a:fld>
             <a:endParaRPr lang="en-GB"/>
           </a:p>
@@ -3827,7 +3827,7 @@
           <a:p>
             <a:fld id="{5611255D-CE76-4E61-A6F1-4407EFEB865C}" type="datetime1">
               <a:rPr lang="en-US" smtClean="0"/>
-              <a:t>7/8/2019</a:t>
+              <a:t>7/9/2019</a:t>
             </a:fld>
             <a:endParaRPr lang="en-GB"/>
           </a:p>
@@ -4011,7 +4011,7 @@
           <a:p>
             <a:fld id="{0FFC1424-CEC1-44C5-BA94-570C887C28D1}" type="datetime1">
               <a:rPr lang="en-US" smtClean="0"/>
-              <a:t>7/8/2019</a:t>
+              <a:t>7/9/2019</a:t>
             </a:fld>
             <a:endParaRPr lang="en-GB"/>
           </a:p>
@@ -4358,7 +4358,7 @@
           <a:p>
             <a:fld id="{70F73AFC-C9B2-43CB-A161-C70358BB508A}" type="datetime1">
               <a:rPr lang="en-US" smtClean="0"/>
-              <a:t>7/8/2019</a:t>
+              <a:t>7/9/2019</a:t>
             </a:fld>
             <a:endParaRPr lang="en-US" dirty="0"/>
           </a:p>
@@ -4632,7 +4632,7 @@
           <a:p>
             <a:fld id="{6F89B8F9-BDDF-4F8E-BE0D-EB4454AF5523}" type="datetime1">
               <a:rPr lang="en-US" smtClean="0"/>
-              <a:t>7/8/2019</a:t>
+              <a:t>7/9/2019</a:t>
             </a:fld>
             <a:endParaRPr lang="en-US" dirty="0"/>
           </a:p>
@@ -5010,7 +5010,7 @@
           <a:p>
             <a:fld id="{888DE5C0-C695-4B4D-A521-AE8AC8ABB735}" type="datetime1">
               <a:rPr lang="en-US" smtClean="0"/>
-              <a:t>7/8/2019</a:t>
+              <a:t>7/9/2019</a:t>
             </a:fld>
             <a:endParaRPr lang="en-US" dirty="0"/>
           </a:p>
@@ -5127,7 +5127,7 @@
           <a:p>
             <a:fld id="{4D175951-ED50-4FF6-94C9-3F29C50AAA22}" type="datetime1">
               <a:rPr lang="en-US" smtClean="0"/>
-              <a:t>7/8/2019</a:t>
+              <a:t>7/9/2019</a:t>
             </a:fld>
             <a:endParaRPr lang="en-US" dirty="0"/>
           </a:p>
@@ -5297,7 +5297,7 @@
           <a:p>
             <a:fld id="{ED215084-EDF1-485B-AFD1-D83060F80A0C}" type="datetime1">
               <a:rPr lang="en-US" smtClean="0"/>
-              <a:t>7/8/2019</a:t>
+              <a:t>7/9/2019</a:t>
             </a:fld>
             <a:endParaRPr lang="en-US" dirty="0"/>
           </a:p>
@@ -5688,7 +5688,7 @@
           <a:p>
             <a:fld id="{CFAFDDE5-7057-4D59-9E00-3AD9C0B3533D}" type="datetime1">
               <a:rPr lang="en-US" smtClean="0"/>
-              <a:t>7/8/2019</a:t>
+              <a:t>7/9/2019</a:t>
             </a:fld>
             <a:endParaRPr lang="en-US" dirty="0"/>
           </a:p>
@@ -6070,7 +6070,7 @@
           <a:p>
             <a:fld id="{7BC54684-623B-42EA-9B0F-8CA08F93DE79}" type="datetime1">
               <a:rPr lang="en-US" smtClean="0"/>
-              <a:t>7/8/2019</a:t>
+              <a:t>7/9/2019</a:t>
             </a:fld>
             <a:endParaRPr lang="en-US" dirty="0"/>
           </a:p>
@@ -6356,7 +6356,7 @@
           <a:p>
             <a:fld id="{A710B426-1CD4-4419-81B7-892FBEC327CB}" type="datetime1">
               <a:rPr lang="en-US" smtClean="0"/>
-              <a:t>7/8/2019</a:t>
+              <a:t>7/9/2019</a:t>
             </a:fld>
             <a:endParaRPr lang="en-US" dirty="0"/>
           </a:p>
@@ -7046,7 +7046,7 @@
           <a:p>
             <a:fld id="{58754298-5E5D-49FD-BC7D-3D45A35D210C}" type="datetime1">
               <a:rPr lang="en-US" smtClean="0"/>
-              <a:t>7/8/2019</a:t>
+              <a:t>7/9/2019</a:t>
             </a:fld>
             <a:endParaRPr lang="en-GB"/>
           </a:p>
@@ -7619,11 +7619,7 @@
             <a:pPr algn="ctr"/>
             <a:r>
               <a:rPr lang="en-US" dirty="0" smtClean="0"/>
-              <a:t>G</a:t>
-            </a:r>
-            <a:r>
-              <a:rPr lang="en-US" dirty="0" smtClean="0"/>
-              <a:t>. Bakas </a:t>
+              <a:t>G. Bakas </a:t>
             </a:r>
           </a:p>
           <a:p>
@@ -7690,7 +7686,7 @@
           <a:p>
             <a:fld id="{ADF0EE6F-2879-4DEF-A313-FE7B817B9724}" type="datetime1">
               <a:rPr lang="en-US" smtClean="0"/>
-              <a:t>7/8/2019</a:t>
+              <a:t>7/9/2019</a:t>
             </a:fld>
             <a:endParaRPr lang="en-US" dirty="0"/>
           </a:p>
@@ -7767,13 +7763,8 @@
           <a:p>
             <a:r>
               <a:rPr lang="en-US" sz="2800" u="sng" dirty="0" smtClean="0"/>
-              <a:t>Signal over Background 2016 vs </a:t>
-            </a:r>
-            <a:r>
-              <a:rPr lang="en-US" sz="2800" u="sng" dirty="0" smtClean="0"/>
-              <a:t>2017</a:t>
-            </a:r>
-            <a:endParaRPr lang="en-US" sz="2800" u="sng" dirty="0" smtClean="0"/>
+              <a:t>Signal over Background 2016 vs 2017</a:t>
+            </a:r>
           </a:p>
         </p:txBody>
       </p:sp>
@@ -7891,7 +7882,7 @@
           <a:p>
             <a:fld id="{03136326-225C-4C5B-9AAE-235941908702}" type="datetime1">
               <a:rPr lang="en-US" smtClean="0"/>
-              <a:t>7/8/2019</a:t>
+              <a:t>7/9/2019</a:t>
             </a:fld>
             <a:endParaRPr lang="en-US" dirty="0"/>
           </a:p>
@@ -7968,13 +7959,8 @@
           <a:p>
             <a:r>
               <a:rPr lang="en-US" sz="2800" u="sng" dirty="0" smtClean="0"/>
-              <a:t>Signal over Background 2016 vs </a:t>
-            </a:r>
-            <a:r>
-              <a:rPr lang="en-US" sz="2800" u="sng" dirty="0" smtClean="0"/>
-              <a:t>2018</a:t>
-            </a:r>
-            <a:endParaRPr lang="en-US" sz="2800" u="sng" dirty="0" smtClean="0"/>
+              <a:t>Signal over Background 2016 vs 2018</a:t>
+            </a:r>
           </a:p>
         </p:txBody>
       </p:sp>
@@ -8092,7 +8078,7 @@
           <a:p>
             <a:fld id="{05C8B245-7567-47F9-A1EB-453D43400675}" type="datetime1">
               <a:rPr lang="en-US" smtClean="0"/>
-              <a:t>7/8/2019</a:t>
+              <a:t>7/9/2019</a:t>
             </a:fld>
             <a:endParaRPr lang="en-US" dirty="0"/>
           </a:p>
@@ -8173,15 +8159,7 @@
             </a:r>
             <a:r>
               <a:rPr lang="en-US" sz="2800" u="sng" dirty="0" smtClean="0"/>
-              <a:t>2016, 2017,</a:t>
-            </a:r>
-            <a:r>
-              <a:rPr lang="en-US" sz="2800" u="sng" dirty="0" smtClean="0"/>
-              <a:t> </a:t>
-            </a:r>
-            <a:r>
-              <a:rPr lang="en-US" sz="2800" u="sng" dirty="0" smtClean="0"/>
-              <a:t>2018</a:t>
+              <a:t>2016, 2017, 2018</a:t>
             </a:r>
             <a:endParaRPr lang="en-US" sz="2800" u="sng" dirty="0"/>
           </a:p>
@@ -8247,6 +8225,166 @@
           </a:prstGeom>
         </p:spPr>
       </p:pic>
+      <p:sp>
+        <p:nvSpPr>
+          <p:cNvPr id="5" name="Rectangle 4"/>
+          <p:cNvSpPr/>
+          <p:nvPr/>
+        </p:nvSpPr>
+        <p:spPr>
+          <a:xfrm>
+            <a:off x="2435839" y="814508"/>
+            <a:ext cx="1360074" cy="407253"/>
+          </a:xfrm>
+          <a:prstGeom prst="rect">
+            <a:avLst/>
+          </a:prstGeom>
+          <a:solidFill>
+            <a:schemeClr val="bg1"/>
+          </a:solidFill>
+          <a:ln>
+            <a:noFill/>
+          </a:ln>
+        </p:spPr>
+        <p:style>
+          <a:lnRef idx="2">
+            <a:schemeClr val="accent1">
+              <a:shade val="50000"/>
+            </a:schemeClr>
+          </a:lnRef>
+          <a:fillRef idx="1">
+            <a:schemeClr val="accent1"/>
+          </a:fillRef>
+          <a:effectRef idx="0">
+            <a:schemeClr val="accent1"/>
+          </a:effectRef>
+          <a:fontRef idx="minor">
+            <a:schemeClr val="lt1"/>
+          </a:fontRef>
+        </p:style>
+        <p:txBody>
+          <a:bodyPr rtlCol="0" anchor="ctr"/>
+          <a:lstStyle/>
+          <a:p>
+            <a:pPr algn="ctr"/>
+            <a:endParaRPr lang="en-GB"/>
+          </a:p>
+        </p:txBody>
+      </p:sp>
+      <p:sp>
+        <p:nvSpPr>
+          <p:cNvPr id="9" name="Rectangle 8"/>
+          <p:cNvSpPr/>
+          <p:nvPr/>
+        </p:nvSpPr>
+        <p:spPr>
+          <a:xfrm>
+            <a:off x="8275320" y="814507"/>
+            <a:ext cx="1593743" cy="407253"/>
+          </a:xfrm>
+          <a:prstGeom prst="rect">
+            <a:avLst/>
+          </a:prstGeom>
+          <a:solidFill>
+            <a:schemeClr val="bg1"/>
+          </a:solidFill>
+          <a:ln>
+            <a:noFill/>
+          </a:ln>
+        </p:spPr>
+        <p:style>
+          <a:lnRef idx="2">
+            <a:schemeClr val="accent1">
+              <a:shade val="50000"/>
+            </a:schemeClr>
+          </a:lnRef>
+          <a:fillRef idx="1">
+            <a:schemeClr val="accent1"/>
+          </a:fillRef>
+          <a:effectRef idx="0">
+            <a:schemeClr val="accent1"/>
+          </a:effectRef>
+          <a:fontRef idx="minor">
+            <a:schemeClr val="lt1"/>
+          </a:fontRef>
+        </p:style>
+        <p:txBody>
+          <a:bodyPr rtlCol="0" anchor="ctr"/>
+          <a:lstStyle/>
+          <a:p>
+            <a:pPr algn="ctr"/>
+            <a:endParaRPr lang="en-GB"/>
+          </a:p>
+        </p:txBody>
+      </p:sp>
+      <p:sp>
+        <p:nvSpPr>
+          <p:cNvPr id="10" name="TextBox 9"/>
+          <p:cNvSpPr txBox="1"/>
+          <p:nvPr/>
+        </p:nvSpPr>
+        <p:spPr>
+          <a:xfrm>
+            <a:off x="3858768" y="5112054"/>
+            <a:ext cx="1847088" cy="276999"/>
+          </a:xfrm>
+          <a:prstGeom prst="rect">
+            <a:avLst/>
+          </a:prstGeom>
+          <a:noFill/>
+        </p:spPr>
+        <p:txBody>
+          <a:bodyPr wrap="square" rtlCol="0">
+            <a:spAutoFit/>
+          </a:bodyPr>
+          <a:lstStyle/>
+          <a:p>
+            <a:r>
+              <a:rPr lang="en-US" sz="1200" dirty="0" err="1" smtClean="0"/>
+              <a:t>jetMassSoftDrop</a:t>
+            </a:r>
+            <a:r>
+              <a:rPr lang="en-US" sz="1200" dirty="0" smtClean="0"/>
+              <a:t> (GeV)</a:t>
+            </a:r>
+            <a:endParaRPr lang="en-GB" sz="1200" dirty="0"/>
+          </a:p>
+        </p:txBody>
+      </p:sp>
+      <p:sp>
+        <p:nvSpPr>
+          <p:cNvPr id="11" name="TextBox 10"/>
+          <p:cNvSpPr txBox="1"/>
+          <p:nvPr/>
+        </p:nvSpPr>
+        <p:spPr>
+          <a:xfrm>
+            <a:off x="9868714" y="5112053"/>
+            <a:ext cx="1847088" cy="276999"/>
+          </a:xfrm>
+          <a:prstGeom prst="rect">
+            <a:avLst/>
+          </a:prstGeom>
+          <a:noFill/>
+        </p:spPr>
+        <p:txBody>
+          <a:bodyPr wrap="square" rtlCol="0">
+            <a:spAutoFit/>
+          </a:bodyPr>
+          <a:lstStyle/>
+          <a:p>
+            <a:r>
+              <a:rPr lang="en-US" sz="1200" dirty="0" err="1" smtClean="0"/>
+              <a:t>jetMassSoftDrop</a:t>
+            </a:r>
+            <a:r>
+              <a:rPr lang="en-US" sz="1200" dirty="0" smtClean="0"/>
+              <a:t> (GeV)</a:t>
+            </a:r>
+            <a:endParaRPr lang="en-GB" sz="1200" dirty="0"/>
+          </a:p>
+        </p:txBody>
+      </p:sp>
     </p:spTree>
     <p:extLst>
       <p:ext uri="{BB962C8B-B14F-4D97-AF65-F5344CB8AC3E}">
@@ -8301,7 +8439,7 @@
           <a:p>
             <a:fld id="{B2A87615-1A5C-44A9-AC95-5BDDB9B8973D}" type="datetime1">
               <a:rPr lang="en-US" smtClean="0"/>
-              <a:t>7/8/2019</a:t>
+              <a:t>7/9/2019</a:t>
             </a:fld>
             <a:endParaRPr lang="en-US"/>
           </a:p>
@@ -9657,7 +9795,7 @@
           <a:p>
             <a:fld id="{E57CB5D1-AF75-4DC9-BA1C-8699DE03D5D0}" type="datetime1">
               <a:rPr lang="en-US" smtClean="0"/>
-              <a:t>7/8/2019</a:t>
+              <a:t>7/9/2019</a:t>
             </a:fld>
             <a:endParaRPr lang="en-US"/>
           </a:p>
@@ -9742,7 +9880,6 @@
               <a:rPr lang="en-US" sz="1400" dirty="0" smtClean="0"/>
               <a:t>2016: We have already decided 0.2 as a WP</a:t>
             </a:r>
-            <a:endParaRPr lang="en-US" sz="1400" dirty="0" smtClean="0"/>
           </a:p>
           <a:p>
             <a:pPr marL="285750" indent="-285750">
@@ -9818,7 +9955,6 @@
               <a:rPr lang="en-US" sz="1400" dirty="0" smtClean="0"/>
               <a:t> and the expected yields</a:t>
             </a:r>
-            <a:endParaRPr lang="en-US" sz="1400" dirty="0" smtClean="0"/>
           </a:p>
           <a:p>
             <a:pPr marL="1200150" lvl="2" indent="-285750">
@@ -9986,7 +10122,7 @@
           <a:p>
             <a:fld id="{F1997902-9C2E-4092-AB27-DA3907096E2A}" type="datetime1">
               <a:rPr lang="en-US" smtClean="0"/>
-              <a:t>7/8/2019</a:t>
+              <a:t>7/9/2019</a:t>
             </a:fld>
             <a:endParaRPr lang="en-US" dirty="0"/>
           </a:p>
@@ -10243,7 +10379,7 @@
           <a:p>
             <a:fld id="{3B6AA79A-B4E9-4FC6-A77C-C920EDB8C7A4}" type="datetime1">
               <a:rPr lang="en-US" smtClean="0"/>
-              <a:t>7/8/2019</a:t>
+              <a:t>7/9/2019</a:t>
             </a:fld>
             <a:endParaRPr lang="en-US" dirty="0"/>
           </a:p>
@@ -10452,7 +10588,7 @@
           <a:p>
             <a:fld id="{02B253C6-30D1-422C-A42A-5097A9E28E0F}" type="datetime1">
               <a:rPr lang="en-US" smtClean="0"/>
-              <a:t>7/8/2019</a:t>
+              <a:t>7/9/2019</a:t>
             </a:fld>
             <a:endParaRPr lang="en-US" dirty="0"/>
           </a:p>
@@ -10529,13 +10665,8 @@
           <a:p>
             <a:r>
               <a:rPr lang="en-US" sz="2800" u="sng" dirty="0" smtClean="0"/>
-              <a:t>Acceptance and Efficiency 2016 vs </a:t>
-            </a:r>
-            <a:r>
-              <a:rPr lang="en-US" sz="2800" u="sng" dirty="0" smtClean="0"/>
-              <a:t>2017</a:t>
-            </a:r>
-            <a:endParaRPr lang="en-US" sz="2800" u="sng" dirty="0" smtClean="0"/>
+              <a:t>Acceptance and Efficiency 2016 vs 2017</a:t>
+            </a:r>
           </a:p>
         </p:txBody>
       </p:sp>
@@ -10653,7 +10784,7 @@
           <a:p>
             <a:fld id="{882865CD-A087-4208-8A8F-3890B7354A2E}" type="datetime1">
               <a:rPr lang="en-US" smtClean="0"/>
-              <a:t>7/8/2019</a:t>
+              <a:t>7/9/2019</a:t>
             </a:fld>
             <a:endParaRPr lang="en-US" dirty="0"/>
           </a:p>
@@ -10862,7 +10993,7 @@
           <a:p>
             <a:fld id="{624E4A66-ACE1-4E03-AD09-0608F2C32693}" type="datetime1">
               <a:rPr lang="en-US" smtClean="0"/>
-              <a:t>7/8/2019</a:t>
+              <a:t>7/9/2019</a:t>
             </a:fld>
             <a:endParaRPr lang="en-US" dirty="0"/>
           </a:p>
@@ -10939,13 +11070,8 @@
           <a:p>
             <a:r>
               <a:rPr lang="en-US" sz="2800" u="sng" dirty="0" smtClean="0"/>
-              <a:t>Acceptance and Efficiency 2016 vs </a:t>
-            </a:r>
-            <a:r>
-              <a:rPr lang="en-US" sz="2800" u="sng" dirty="0" smtClean="0"/>
-              <a:t>2018</a:t>
-            </a:r>
-            <a:endParaRPr lang="en-US" sz="2800" u="sng" dirty="0" smtClean="0"/>
+              <a:t>Acceptance and Efficiency 2016 vs 2018</a:t>
+            </a:r>
           </a:p>
         </p:txBody>
       </p:sp>
@@ -11063,7 +11189,7 @@
           <a:p>
             <a:fld id="{951C163F-4F2E-47E5-BEB1-17631A3872B6}" type="datetime1">
               <a:rPr lang="en-US" smtClean="0"/>
-              <a:t>7/8/2019</a:t>
+              <a:t>7/9/2019</a:t>
             </a:fld>
             <a:endParaRPr lang="en-US" dirty="0"/>
           </a:p>
@@ -11142,7 +11268,6 @@
               <a:rPr lang="en-US" sz="2800" u="sng" dirty="0" smtClean="0"/>
               <a:t>Output</a:t>
             </a:r>
-            <a:endParaRPr lang="en-US" sz="2800" u="sng" dirty="0" smtClean="0"/>
           </a:p>
         </p:txBody>
       </p:sp>
